--- a/Lektion 2/Exempel/Databaser.pptx
+++ b/Lektion 2/Exempel/Databaser.pptx
@@ -5,10 +5,10 @@
     <p:sldMasterId id="2147483684" r:id="rId4"/>
   </p:sldMasterIdLst>
   <p:notesMasterIdLst>
-    <p:notesMasterId r:id="rId21"/>
+    <p:notesMasterId r:id="rId22"/>
   </p:notesMasterIdLst>
   <p:handoutMasterIdLst>
-    <p:handoutMasterId r:id="rId22"/>
+    <p:handoutMasterId r:id="rId23"/>
   </p:handoutMasterIdLst>
   <p:sldIdLst>
     <p:sldId id="257" r:id="rId5"/>
@@ -21,12 +21,13 @@
     <p:sldId id="397" r:id="rId12"/>
     <p:sldId id="398" r:id="rId13"/>
     <p:sldId id="399" r:id="rId14"/>
-    <p:sldId id="278" r:id="rId15"/>
-    <p:sldId id="392" r:id="rId16"/>
-    <p:sldId id="393" r:id="rId17"/>
-    <p:sldId id="400" r:id="rId18"/>
-    <p:sldId id="403" r:id="rId19"/>
-    <p:sldId id="402" r:id="rId20"/>
+    <p:sldId id="404" r:id="rId15"/>
+    <p:sldId id="278" r:id="rId16"/>
+    <p:sldId id="392" r:id="rId17"/>
+    <p:sldId id="393" r:id="rId18"/>
+    <p:sldId id="400" r:id="rId19"/>
+    <p:sldId id="403" r:id="rId20"/>
+    <p:sldId id="402" r:id="rId21"/>
   </p:sldIdLst>
   <p:sldSz cx="12192000" cy="6858000"/>
   <p:notesSz cx="6858000" cy="9144000"/>
@@ -243,7 +244,7 @@
             <a:pPr rtl="0"/>
             <a:fld id="{3BC16AED-4EE9-4ECF-8E2C-BFFEFB1FFD55}" type="datetime1">
               <a:rPr lang="sv-SE" smtClean="0"/>
-              <a:t>2024-02-05</a:t>
+              <a:t>2024-02-07</a:t>
             </a:fld>
             <a:endParaRPr lang="sv-SE"/>
           </a:p>
@@ -425,7 +426,7 @@
             <a:pPr rtl="0"/>
             <a:fld id="{193CA0EF-2EE5-456F-BA44-D7B3A938684F}" type="datetime1">
               <a:rPr lang="sv-SE" smtClean="0"/>
-              <a:t>2024-02-05</a:t>
+              <a:t>2024-02-07</a:t>
             </a:fld>
             <a:endParaRPr lang="sv-SE"/>
           </a:p>
@@ -793,7 +794,7 @@
             <a:pPr rtl="0"/>
             <a:fld id="{BB50D22C-7185-43A9-B871-791680B7668D}" type="datetime1">
               <a:rPr lang="sv-SE" smtClean="0"/>
-              <a:t>2024-02-05</a:t>
+              <a:t>2024-02-07</a:t>
             </a:fld>
             <a:endParaRPr lang="sv-SE"/>
           </a:p>
@@ -909,7 +910,7 @@
             <a:pPr rtl="0"/>
             <a:fld id="{4149E65B-FBD7-466D-947A-9FAB4813C761}" type="datetime1">
               <a:rPr lang="sv-SE" smtClean="0"/>
-              <a:t>2024-02-05</a:t>
+              <a:t>2024-02-07</a:t>
             </a:fld>
             <a:endParaRPr lang="sv-SE"/>
           </a:p>
@@ -1025,7 +1026,7 @@
             <a:pPr rtl="0"/>
             <a:fld id="{18BC2C1E-746D-4799-8AD9-69EF242EC481}" type="datetime1">
               <a:rPr lang="sv-SE" smtClean="0"/>
-              <a:t>2024-02-05</a:t>
+              <a:t>2024-02-07</a:t>
             </a:fld>
             <a:endParaRPr lang="sv-SE"/>
           </a:p>
@@ -1141,7 +1142,7 @@
             <a:pPr rtl="0"/>
             <a:fld id="{18BC2C1E-746D-4799-8AD9-69EF242EC481}" type="datetime1">
               <a:rPr lang="sv-SE" smtClean="0"/>
-              <a:t>2024-02-05</a:t>
+              <a:t>2024-02-07</a:t>
             </a:fld>
             <a:endParaRPr lang="sv-SE"/>
           </a:p>
@@ -1165,7 +1166,13 @@
   <p:cSld>
     <p:spTree>
       <p:nvGrpSpPr>
-        <p:cNvPr id="1" name=""/>
+        <p:cNvPr id="1" name="">
+          <a:extLst>
+            <a:ext uri="{FF2B5EF4-FFF2-40B4-BE49-F238E27FC236}">
+              <a16:creationId xmlns:a16="http://schemas.microsoft.com/office/drawing/2014/main" id="{55105B54-5F93-4E0F-B06C-D8292A146275}"/>
+            </a:ext>
+          </a:extLst>
+        </p:cNvPr>
         <p:cNvGrpSpPr/>
         <p:nvPr/>
       </p:nvGrpSpPr>
@@ -1179,7 +1186,13 @@
       </p:grpSpPr>
       <p:sp>
         <p:nvSpPr>
-          <p:cNvPr id="2" name="Platshållare för bildobjekt 1"/>
+          <p:cNvPr id="2" name="Platshållare för bildobjekt 1">
+            <a:extLst>
+              <a:ext uri="{FF2B5EF4-FFF2-40B4-BE49-F238E27FC236}">
+                <a16:creationId xmlns:a16="http://schemas.microsoft.com/office/drawing/2014/main" id="{39B7F1D4-A476-42C8-7B95-FDBADDFF78FA}"/>
+              </a:ext>
+            </a:extLst>
+          </p:cNvPr>
           <p:cNvSpPr>
             <a:spLocks noGrp="1" noRot="1" noChangeAspect="1"/>
           </p:cNvSpPr>
@@ -1191,7 +1204,13 @@
       </p:sp>
       <p:sp>
         <p:nvSpPr>
-          <p:cNvPr id="3" name="Platshållare för anteckningar 2"/>
+          <p:cNvPr id="3" name="Platshållare för anteckningar 2">
+            <a:extLst>
+              <a:ext uri="{FF2B5EF4-FFF2-40B4-BE49-F238E27FC236}">
+                <a16:creationId xmlns:a16="http://schemas.microsoft.com/office/drawing/2014/main" id="{BB7E42E1-2ED2-DDBD-29D5-8D6E8842266C}"/>
+              </a:ext>
+            </a:extLst>
+          </p:cNvPr>
           <p:cNvSpPr>
             <a:spLocks noGrp="1"/>
           </p:cNvSpPr>
@@ -1211,7 +1230,13 @@
       </p:sp>
       <p:sp>
         <p:nvSpPr>
-          <p:cNvPr id="4" name="Platshållare för bildnummer 3"/>
+          <p:cNvPr id="4" name="Platshållare för bildnummer 3">
+            <a:extLst>
+              <a:ext uri="{FF2B5EF4-FFF2-40B4-BE49-F238E27FC236}">
+                <a16:creationId xmlns:a16="http://schemas.microsoft.com/office/drawing/2014/main" id="{E84FFE3A-B829-E143-DD04-94F0645DAE02}"/>
+              </a:ext>
+            </a:extLst>
+          </p:cNvPr>
           <p:cNvSpPr>
             <a:spLocks noGrp="1"/>
           </p:cNvSpPr>
@@ -1227,7 +1252,7 @@
             <a:pPr rtl="0"/>
             <a:fld id="{1983A999-5E0E-42CA-8400-604AE921FF7C}" type="slidenum">
               <a:rPr lang="sv-SE" smtClean="0"/>
-              <a:t>12</a:t>
+              <a:t>11</a:t>
             </a:fld>
             <a:endParaRPr lang="sv-SE"/>
           </a:p>
@@ -1238,7 +1263,7 @@
           <p:cNvPr id="5" name="Platshållare för datum 4">
             <a:extLst>
               <a:ext uri="{FF2B5EF4-FFF2-40B4-BE49-F238E27FC236}">
-                <a16:creationId xmlns:a16="http://schemas.microsoft.com/office/drawing/2014/main" id="{2C5E28C8-96B4-47BF-9E94-6ABEA7E49AEF}"/>
+                <a16:creationId xmlns:a16="http://schemas.microsoft.com/office/drawing/2014/main" id="{61ACB902-5AB8-2C87-BCEF-6DB7F89147EE}"/>
               </a:ext>
             </a:extLst>
           </p:cNvPr>
@@ -1255,9 +1280,9 @@
           <a:lstStyle/>
           <a:p>
             <a:pPr rtl="0"/>
-            <a:fld id="{45FF7B1A-1033-4844-83C8-5B07B960FA8D}" type="datetime1">
+            <a:fld id="{18BC2C1E-746D-4799-8AD9-69EF242EC481}" type="datetime1">
               <a:rPr lang="sv-SE" smtClean="0"/>
-              <a:t>2024-02-05</a:t>
+              <a:t>2024-02-07</a:t>
             </a:fld>
             <a:endParaRPr lang="sv-SE"/>
           </a:p>
@@ -1266,7 +1291,7 @@
     </p:spTree>
     <p:extLst>
       <p:ext uri="{BB962C8B-B14F-4D97-AF65-F5344CB8AC3E}">
-        <p14:creationId xmlns:p14="http://schemas.microsoft.com/office/powerpoint/2010/main" val="3874818438"/>
+        <p14:creationId xmlns:p14="http://schemas.microsoft.com/office/powerpoint/2010/main" val="546810407"/>
       </p:ext>
     </p:extLst>
   </p:cSld>
@@ -1343,7 +1368,7 @@
             <a:pPr rtl="0"/>
             <a:fld id="{1983A999-5E0E-42CA-8400-604AE921FF7C}" type="slidenum">
               <a:rPr lang="sv-SE" smtClean="0"/>
-              <a:t>14</a:t>
+              <a:t>13</a:t>
             </a:fld>
             <a:endParaRPr lang="sv-SE"/>
           </a:p>
@@ -1354,7 +1379,7 @@
           <p:cNvPr id="5" name="Platshållare för datum 4">
             <a:extLst>
               <a:ext uri="{FF2B5EF4-FFF2-40B4-BE49-F238E27FC236}">
-                <a16:creationId xmlns:a16="http://schemas.microsoft.com/office/drawing/2014/main" id="{B8E8EA20-5A24-4B76-A835-B3DC6BF81285}"/>
+                <a16:creationId xmlns:a16="http://schemas.microsoft.com/office/drawing/2014/main" id="{2C5E28C8-96B4-47BF-9E94-6ABEA7E49AEF}"/>
               </a:ext>
             </a:extLst>
           </p:cNvPr>
@@ -1371,9 +1396,9 @@
           <a:lstStyle/>
           <a:p>
             <a:pPr rtl="0"/>
-            <a:fld id="{18BC2C1E-746D-4799-8AD9-69EF242EC481}" type="datetime1">
+            <a:fld id="{45FF7B1A-1033-4844-83C8-5B07B960FA8D}" type="datetime1">
               <a:rPr lang="sv-SE" smtClean="0"/>
-              <a:t>2024-02-05</a:t>
+              <a:t>2024-02-07</a:t>
             </a:fld>
             <a:endParaRPr lang="sv-SE"/>
           </a:p>
@@ -1382,7 +1407,7 @@
     </p:spTree>
     <p:extLst>
       <p:ext uri="{BB962C8B-B14F-4D97-AF65-F5344CB8AC3E}">
-        <p14:creationId xmlns:p14="http://schemas.microsoft.com/office/powerpoint/2010/main" val="1666844309"/>
+        <p14:creationId xmlns:p14="http://schemas.microsoft.com/office/powerpoint/2010/main" val="3874818438"/>
       </p:ext>
     </p:extLst>
   </p:cSld>
@@ -1489,7 +1514,7 @@
             <a:pPr rtl="0"/>
             <a:fld id="{18BC2C1E-746D-4799-8AD9-69EF242EC481}" type="datetime1">
               <a:rPr lang="sv-SE" smtClean="0"/>
-              <a:t>2024-02-05</a:t>
+              <a:t>2024-02-07</a:t>
             </a:fld>
             <a:endParaRPr lang="sv-SE"/>
           </a:p>
@@ -1498,7 +1523,7 @@
     </p:spTree>
     <p:extLst>
       <p:ext uri="{BB962C8B-B14F-4D97-AF65-F5344CB8AC3E}">
-        <p14:creationId xmlns:p14="http://schemas.microsoft.com/office/powerpoint/2010/main" val="2599796933"/>
+        <p14:creationId xmlns:p14="http://schemas.microsoft.com/office/powerpoint/2010/main" val="1666844309"/>
       </p:ext>
     </p:extLst>
   </p:cSld>
@@ -1605,7 +1630,123 @@
             <a:pPr rtl="0"/>
             <a:fld id="{18BC2C1E-746D-4799-8AD9-69EF242EC481}" type="datetime1">
               <a:rPr lang="sv-SE" smtClean="0"/>
-              <a:t>2024-02-05</a:t>
+              <a:t>2024-02-07</a:t>
+            </a:fld>
+            <a:endParaRPr lang="sv-SE"/>
+          </a:p>
+        </p:txBody>
+      </p:sp>
+    </p:spTree>
+    <p:extLst>
+      <p:ext uri="{BB962C8B-B14F-4D97-AF65-F5344CB8AC3E}">
+        <p14:creationId xmlns:p14="http://schemas.microsoft.com/office/powerpoint/2010/main" val="2599796933"/>
+      </p:ext>
+    </p:extLst>
+  </p:cSld>
+  <p:clrMapOvr>
+    <a:masterClrMapping/>
+  </p:clrMapOvr>
+</p:notes>
+</file>
+
+<file path=ppt/notesSlides/notesSlide9.xml><?xml version="1.0" encoding="utf-8"?>
+<p:notes xmlns:a="http://schemas.openxmlformats.org/drawingml/2006/main" xmlns:r="http://schemas.openxmlformats.org/officeDocument/2006/relationships" xmlns:p="http://schemas.openxmlformats.org/presentationml/2006/main">
+  <p:cSld>
+    <p:spTree>
+      <p:nvGrpSpPr>
+        <p:cNvPr id="1" name=""/>
+        <p:cNvGrpSpPr/>
+        <p:nvPr/>
+      </p:nvGrpSpPr>
+      <p:grpSpPr>
+        <a:xfrm>
+          <a:off x="0" y="0"/>
+          <a:ext cx="0" cy="0"/>
+          <a:chOff x="0" y="0"/>
+          <a:chExt cx="0" cy="0"/>
+        </a:xfrm>
+      </p:grpSpPr>
+      <p:sp>
+        <p:nvSpPr>
+          <p:cNvPr id="2" name="Platshållare för bildobjekt 1"/>
+          <p:cNvSpPr>
+            <a:spLocks noGrp="1" noRot="1" noChangeAspect="1"/>
+          </p:cNvSpPr>
+          <p:nvPr>
+            <p:ph type="sldImg"/>
+          </p:nvPr>
+        </p:nvSpPr>
+        <p:spPr/>
+      </p:sp>
+      <p:sp>
+        <p:nvSpPr>
+          <p:cNvPr id="3" name="Platshållare för anteckningar 2"/>
+          <p:cNvSpPr>
+            <a:spLocks noGrp="1"/>
+          </p:cNvSpPr>
+          <p:nvPr>
+            <p:ph type="body" idx="1"/>
+          </p:nvPr>
+        </p:nvSpPr>
+        <p:spPr/>
+        <p:txBody>
+          <a:bodyPr rtlCol="0"/>
+          <a:lstStyle/>
+          <a:p>
+            <a:pPr rtl="0"/>
+            <a:endParaRPr lang="sv-SE" dirty="0"/>
+          </a:p>
+        </p:txBody>
+      </p:sp>
+      <p:sp>
+        <p:nvSpPr>
+          <p:cNvPr id="4" name="Platshållare för bildnummer 3"/>
+          <p:cNvSpPr>
+            <a:spLocks noGrp="1"/>
+          </p:cNvSpPr>
+          <p:nvPr>
+            <p:ph type="sldNum" sz="quarter" idx="5"/>
+          </p:nvPr>
+        </p:nvSpPr>
+        <p:spPr/>
+        <p:txBody>
+          <a:bodyPr rtlCol="0"/>
+          <a:lstStyle/>
+          <a:p>
+            <a:pPr rtl="0"/>
+            <a:fld id="{1983A999-5E0E-42CA-8400-604AE921FF7C}" type="slidenum">
+              <a:rPr lang="sv-SE" smtClean="0"/>
+              <a:t>17</a:t>
+            </a:fld>
+            <a:endParaRPr lang="sv-SE"/>
+          </a:p>
+        </p:txBody>
+      </p:sp>
+      <p:sp>
+        <p:nvSpPr>
+          <p:cNvPr id="5" name="Platshållare för datum 4">
+            <a:extLst>
+              <a:ext uri="{FF2B5EF4-FFF2-40B4-BE49-F238E27FC236}">
+                <a16:creationId xmlns:a16="http://schemas.microsoft.com/office/drawing/2014/main" id="{B8E8EA20-5A24-4B76-A835-B3DC6BF81285}"/>
+              </a:ext>
+            </a:extLst>
+          </p:cNvPr>
+          <p:cNvSpPr>
+            <a:spLocks noGrp="1"/>
+          </p:cNvSpPr>
+          <p:nvPr>
+            <p:ph type="dt" idx="1"/>
+          </p:nvPr>
+        </p:nvSpPr>
+        <p:spPr/>
+        <p:txBody>
+          <a:bodyPr/>
+          <a:lstStyle/>
+          <a:p>
+            <a:pPr rtl="0"/>
+            <a:fld id="{18BC2C1E-746D-4799-8AD9-69EF242EC481}" type="datetime1">
+              <a:rPr lang="sv-SE" smtClean="0"/>
+              <a:t>2024-02-07</a:t>
             </a:fld>
             <a:endParaRPr lang="sv-SE"/>
           </a:p>
@@ -13912,6 +14053,724 @@
 </file>
 
 <file path=ppt/slides/slide11.xml><?xml version="1.0" encoding="utf-8"?>
+<p:sld xmlns:a="http://schemas.openxmlformats.org/drawingml/2006/main" xmlns:r="http://schemas.openxmlformats.org/officeDocument/2006/relationships" xmlns:p="http://schemas.openxmlformats.org/presentationml/2006/main">
+  <p:cSld>
+    <p:spTree>
+      <p:nvGrpSpPr>
+        <p:cNvPr id="1" name="">
+          <a:extLst>
+            <a:ext uri="{FF2B5EF4-FFF2-40B4-BE49-F238E27FC236}">
+              <a16:creationId xmlns:a16="http://schemas.microsoft.com/office/drawing/2014/main" id="{2F713B6A-8770-FB66-8DEF-733DFCC1921E}"/>
+            </a:ext>
+          </a:extLst>
+        </p:cNvPr>
+        <p:cNvGrpSpPr/>
+        <p:nvPr/>
+      </p:nvGrpSpPr>
+      <p:grpSpPr>
+        <a:xfrm>
+          <a:off x="0" y="0"/>
+          <a:ext cx="0" cy="0"/>
+          <a:chOff x="0" y="0"/>
+          <a:chExt cx="0" cy="0"/>
+        </a:xfrm>
+      </p:grpSpPr>
+      <p:grpSp>
+        <p:nvGrpSpPr>
+          <p:cNvPr id="25" name="Grupp 24">
+            <a:extLst>
+              <a:ext uri="{FF2B5EF4-FFF2-40B4-BE49-F238E27FC236}">
+                <a16:creationId xmlns:a16="http://schemas.microsoft.com/office/drawing/2014/main" id="{72014A30-40E1-9422-F8F0-C6556A5E1899}"/>
+              </a:ext>
+              <a:ext uri="{C183D7F6-B498-43B3-948B-1728B52AA6E4}">
+                <adec:decorative xmlns:adec="http://schemas.microsoft.com/office/drawing/2017/decorative" val="1"/>
+              </a:ext>
+            </a:extLst>
+          </p:cNvPr>
+          <p:cNvGrpSpPr/>
+          <p:nvPr/>
+        </p:nvGrpSpPr>
+        <p:grpSpPr>
+          <a:xfrm>
+            <a:off x="10379261" y="2030035"/>
+            <a:ext cx="1335600" cy="1262947"/>
+            <a:chOff x="10145015" y="2343978"/>
+            <a:chExt cx="1335600" cy="1262947"/>
+          </a:xfrm>
+        </p:grpSpPr>
+        <p:sp>
+          <p:nvSpPr>
+            <p:cNvPr id="26" name="Frihandsfigur: Figur 25">
+              <a:extLst>
+                <a:ext uri="{FF2B5EF4-FFF2-40B4-BE49-F238E27FC236}">
+                  <a16:creationId xmlns:a16="http://schemas.microsoft.com/office/drawing/2014/main" id="{66465146-FCDC-C481-D855-51F7622D0040}"/>
+                </a:ext>
+              </a:extLst>
+            </p:cNvPr>
+            <p:cNvSpPr>
+              <a:spLocks noChangeAspect="1"/>
+            </p:cNvSpPr>
+            <p:nvPr/>
+          </p:nvSpPr>
+          <p:spPr>
+            <a:xfrm rot="8100000">
+              <a:off x="10400615" y="2343978"/>
+              <a:ext cx="1080000" cy="1262947"/>
+            </a:xfrm>
+            <a:custGeom>
+              <a:avLst/>
+              <a:gdLst>
+                <a:gd name="connsiteX0" fmla="*/ 540000 w 1080000"/>
+                <a:gd name="connsiteY0" fmla="*/ 0 h 1262947"/>
+                <a:gd name="connsiteX1" fmla="*/ 1080000 w 1080000"/>
+                <a:gd name="connsiteY1" fmla="*/ 931034 h 1262947"/>
+                <a:gd name="connsiteX2" fmla="*/ 1064374 w 1080000"/>
+                <a:gd name="connsiteY2" fmla="*/ 931034 h 1262947"/>
+                <a:gd name="connsiteX3" fmla="*/ 1069029 w 1080000"/>
+                <a:gd name="connsiteY3" fmla="*/ 938533 h 1262947"/>
+                <a:gd name="connsiteX4" fmla="*/ 1080000 w 1080000"/>
+                <a:gd name="connsiteY4" fmla="*/ 992947 h 1262947"/>
+                <a:gd name="connsiteX5" fmla="*/ 540000 w 1080000"/>
+                <a:gd name="connsiteY5" fmla="*/ 1262947 h 1262947"/>
+                <a:gd name="connsiteX6" fmla="*/ 0 w 1080000"/>
+                <a:gd name="connsiteY6" fmla="*/ 992947 h 1262947"/>
+                <a:gd name="connsiteX7" fmla="*/ 10971 w 1080000"/>
+                <a:gd name="connsiteY7" fmla="*/ 938533 h 1262947"/>
+                <a:gd name="connsiteX8" fmla="*/ 15626 w 1080000"/>
+                <a:gd name="connsiteY8" fmla="*/ 931034 h 1262947"/>
+                <a:gd name="connsiteX9" fmla="*/ 0 w 1080000"/>
+                <a:gd name="connsiteY9" fmla="*/ 931034 h 1262947"/>
+                <a:gd name="connsiteX0" fmla="*/ 540000 w 1080000"/>
+                <a:gd name="connsiteY0" fmla="*/ 0 h 1262947"/>
+                <a:gd name="connsiteX1" fmla="*/ 1080000 w 1080000"/>
+                <a:gd name="connsiteY1" fmla="*/ 931034 h 1262947"/>
+                <a:gd name="connsiteX2" fmla="*/ 1064374 w 1080000"/>
+                <a:gd name="connsiteY2" fmla="*/ 931034 h 1262947"/>
+                <a:gd name="connsiteX3" fmla="*/ 1069029 w 1080000"/>
+                <a:gd name="connsiteY3" fmla="*/ 938533 h 1262947"/>
+                <a:gd name="connsiteX4" fmla="*/ 1080000 w 1080000"/>
+                <a:gd name="connsiteY4" fmla="*/ 992947 h 1262947"/>
+                <a:gd name="connsiteX5" fmla="*/ 540000 w 1080000"/>
+                <a:gd name="connsiteY5" fmla="*/ 1262947 h 1262947"/>
+                <a:gd name="connsiteX6" fmla="*/ 0 w 1080000"/>
+                <a:gd name="connsiteY6" fmla="*/ 992947 h 1262947"/>
+                <a:gd name="connsiteX7" fmla="*/ 10971 w 1080000"/>
+                <a:gd name="connsiteY7" fmla="*/ 938533 h 1262947"/>
+                <a:gd name="connsiteX8" fmla="*/ 15626 w 1080000"/>
+                <a:gd name="connsiteY8" fmla="*/ 931034 h 1262947"/>
+                <a:gd name="connsiteX9" fmla="*/ 540000 w 1080000"/>
+                <a:gd name="connsiteY9" fmla="*/ 0 h 1262947"/>
+                <a:gd name="connsiteX0" fmla="*/ 540000 w 1080000"/>
+                <a:gd name="connsiteY0" fmla="*/ 0 h 1262947"/>
+                <a:gd name="connsiteX1" fmla="*/ 1064374 w 1080000"/>
+                <a:gd name="connsiteY1" fmla="*/ 931034 h 1262947"/>
+                <a:gd name="connsiteX2" fmla="*/ 1069029 w 1080000"/>
+                <a:gd name="connsiteY2" fmla="*/ 938533 h 1262947"/>
+                <a:gd name="connsiteX3" fmla="*/ 1080000 w 1080000"/>
+                <a:gd name="connsiteY3" fmla="*/ 992947 h 1262947"/>
+                <a:gd name="connsiteX4" fmla="*/ 540000 w 1080000"/>
+                <a:gd name="connsiteY4" fmla="*/ 1262947 h 1262947"/>
+                <a:gd name="connsiteX5" fmla="*/ 0 w 1080000"/>
+                <a:gd name="connsiteY5" fmla="*/ 992947 h 1262947"/>
+                <a:gd name="connsiteX6" fmla="*/ 10971 w 1080000"/>
+                <a:gd name="connsiteY6" fmla="*/ 938533 h 1262947"/>
+                <a:gd name="connsiteX7" fmla="*/ 15626 w 1080000"/>
+                <a:gd name="connsiteY7" fmla="*/ 931034 h 1262947"/>
+                <a:gd name="connsiteX8" fmla="*/ 540000 w 1080000"/>
+                <a:gd name="connsiteY8" fmla="*/ 0 h 1262947"/>
+              </a:gdLst>
+              <a:ahLst/>
+              <a:cxnLst>
+                <a:cxn ang="0">
+                  <a:pos x="connsiteX0" y="connsiteY0"/>
+                </a:cxn>
+                <a:cxn ang="0">
+                  <a:pos x="connsiteX1" y="connsiteY1"/>
+                </a:cxn>
+                <a:cxn ang="0">
+                  <a:pos x="connsiteX2" y="connsiteY2"/>
+                </a:cxn>
+                <a:cxn ang="0">
+                  <a:pos x="connsiteX3" y="connsiteY3"/>
+                </a:cxn>
+                <a:cxn ang="0">
+                  <a:pos x="connsiteX4" y="connsiteY4"/>
+                </a:cxn>
+                <a:cxn ang="0">
+                  <a:pos x="connsiteX5" y="connsiteY5"/>
+                </a:cxn>
+                <a:cxn ang="0">
+                  <a:pos x="connsiteX6" y="connsiteY6"/>
+                </a:cxn>
+                <a:cxn ang="0">
+                  <a:pos x="connsiteX7" y="connsiteY7"/>
+                </a:cxn>
+                <a:cxn ang="0">
+                  <a:pos x="connsiteX8" y="connsiteY8"/>
+                </a:cxn>
+              </a:cxnLst>
+              <a:rect l="l" t="t" r="r" b="b"/>
+              <a:pathLst>
+                <a:path w="1080000" h="1262947">
+                  <a:moveTo>
+                    <a:pt x="540000" y="0"/>
+                  </a:moveTo>
+                  <a:lnTo>
+                    <a:pt x="1064374" y="931034"/>
+                  </a:lnTo>
+                  <a:lnTo>
+                    <a:pt x="1069029" y="938533"/>
+                  </a:lnTo>
+                  <a:cubicBezTo>
+                    <a:pt x="1076223" y="956109"/>
+                    <a:pt x="1080000" y="974307"/>
+                    <a:pt x="1080000" y="992947"/>
+                  </a:cubicBezTo>
+                  <a:cubicBezTo>
+                    <a:pt x="1080000" y="1142064"/>
+                    <a:pt x="838234" y="1262947"/>
+                    <a:pt x="540000" y="1262947"/>
+                  </a:cubicBezTo>
+                  <a:cubicBezTo>
+                    <a:pt x="241766" y="1262947"/>
+                    <a:pt x="0" y="1142064"/>
+                    <a:pt x="0" y="992947"/>
+                  </a:cubicBezTo>
+                  <a:cubicBezTo>
+                    <a:pt x="0" y="974307"/>
+                    <a:pt x="3778" y="956109"/>
+                    <a:pt x="10971" y="938533"/>
+                  </a:cubicBezTo>
+                  <a:lnTo>
+                    <a:pt x="15626" y="931034"/>
+                  </a:lnTo>
+                  <a:lnTo>
+                    <a:pt x="540000" y="0"/>
+                  </a:lnTo>
+                  <a:close/>
+                </a:path>
+              </a:pathLst>
+            </a:custGeom>
+            <a:gradFill>
+              <a:gsLst>
+                <a:gs pos="60000">
+                  <a:schemeClr val="bg2">
+                    <a:lumMod val="90000"/>
+                    <a:lumOff val="10000"/>
+                  </a:schemeClr>
+                </a:gs>
+                <a:gs pos="30000">
+                  <a:schemeClr val="bg2">
+                    <a:lumMod val="90000"/>
+                    <a:lumOff val="10000"/>
+                  </a:schemeClr>
+                </a:gs>
+                <a:gs pos="40000">
+                  <a:schemeClr val="bg2">
+                    <a:lumMod val="80000"/>
+                    <a:lumOff val="20000"/>
+                  </a:schemeClr>
+                </a:gs>
+                <a:gs pos="100000">
+                  <a:schemeClr val="bg2"/>
+                </a:gs>
+              </a:gsLst>
+              <a:lin ang="600000" scaled="0"/>
+            </a:gradFill>
+            <a:ln>
+              <a:noFill/>
+            </a:ln>
+            <a:effectLst>
+              <a:innerShdw blurRad="254000" dist="101600" dir="7320000">
+                <a:schemeClr val="accent1">
+                  <a:lumMod val="60000"/>
+                  <a:lumOff val="40000"/>
+                  <a:alpha val="40000"/>
+                </a:schemeClr>
+              </a:innerShdw>
+            </a:effectLst>
+          </p:spPr>
+          <p:style>
+            <a:lnRef idx="2">
+              <a:schemeClr val="accent1">
+                <a:shade val="50000"/>
+              </a:schemeClr>
+            </a:lnRef>
+            <a:fillRef idx="1">
+              <a:schemeClr val="accent1"/>
+            </a:fillRef>
+            <a:effectRef idx="0">
+              <a:schemeClr val="accent1"/>
+            </a:effectRef>
+            <a:fontRef idx="minor">
+              <a:schemeClr val="lt1"/>
+            </a:fontRef>
+          </p:style>
+          <p:txBody>
+            <a:bodyPr rot="0" spcFirstLastPara="0" vertOverflow="overflow" horzOverflow="overflow" vert="horz" wrap="square" lIns="91440" tIns="45720" rIns="91440" bIns="45720" numCol="1" spcCol="0" rtlCol="0" fromWordArt="0" anchor="ctr" anchorCtr="0" forceAA="0" compatLnSpc="1">
+              <a:prstTxWarp prst="textNoShape">
+                <a:avLst/>
+              </a:prstTxWarp>
+              <a:noAutofit/>
+            </a:bodyPr>
+            <a:lstStyle/>
+            <a:p>
+              <a:pPr algn="ctr" rtl="0"/>
+              <a:endParaRPr lang="sv-SE"/>
+            </a:p>
+          </p:txBody>
+        </p:sp>
+        <p:sp>
+          <p:nvSpPr>
+            <p:cNvPr id="27" name="Ellips 26">
+              <a:extLst>
+                <a:ext uri="{FF2B5EF4-FFF2-40B4-BE49-F238E27FC236}">
+                  <a16:creationId xmlns:a16="http://schemas.microsoft.com/office/drawing/2014/main" id="{B979E82A-70C5-7CFE-981F-B870AC06D9F8}"/>
+                </a:ext>
+              </a:extLst>
+            </p:cNvPr>
+            <p:cNvSpPr/>
+            <p:nvPr/>
+          </p:nvSpPr>
+          <p:spPr>
+            <a:xfrm rot="13500000">
+              <a:off x="10415015" y="2179851"/>
+              <a:ext cx="540000" cy="1080000"/>
+            </a:xfrm>
+            <a:prstGeom prst="ellipse">
+              <a:avLst/>
+            </a:prstGeom>
+            <a:gradFill>
+              <a:gsLst>
+                <a:gs pos="100000">
+                  <a:schemeClr val="accent1">
+                    <a:lumMod val="60000"/>
+                    <a:lumOff val="40000"/>
+                    <a:alpha val="0"/>
+                  </a:schemeClr>
+                </a:gs>
+                <a:gs pos="0">
+                  <a:schemeClr val="bg2">
+                    <a:lumMod val="75000"/>
+                    <a:lumOff val="25000"/>
+                    <a:alpha val="33000"/>
+                  </a:schemeClr>
+                </a:gs>
+              </a:gsLst>
+              <a:lin ang="5400000" scaled="0"/>
+            </a:gradFill>
+            <a:ln>
+              <a:noFill/>
+            </a:ln>
+            <a:effectLst>
+              <a:innerShdw blurRad="1270000" dist="2540000">
+                <a:schemeClr val="accent1">
+                  <a:lumMod val="60000"/>
+                  <a:lumOff val="40000"/>
+                  <a:alpha val="0"/>
+                </a:schemeClr>
+              </a:innerShdw>
+            </a:effectLst>
+          </p:spPr>
+          <p:style>
+            <a:lnRef idx="2">
+              <a:schemeClr val="accent1">
+                <a:shade val="50000"/>
+              </a:schemeClr>
+            </a:lnRef>
+            <a:fillRef idx="1">
+              <a:schemeClr val="accent1"/>
+            </a:fillRef>
+            <a:effectRef idx="0">
+              <a:schemeClr val="accent1"/>
+            </a:effectRef>
+            <a:fontRef idx="minor">
+              <a:schemeClr val="lt1"/>
+            </a:fontRef>
+          </p:style>
+          <p:txBody>
+            <a:bodyPr rot="0" spcFirstLastPara="0" vertOverflow="overflow" horzOverflow="overflow" vert="horz" wrap="square" lIns="91440" tIns="45720" rIns="91440" bIns="45720" numCol="1" spcCol="0" rtlCol="0" fromWordArt="0" anchor="ctr" anchorCtr="0" forceAA="0" compatLnSpc="1">
+              <a:prstTxWarp prst="textNoShape">
+                <a:avLst/>
+              </a:prstTxWarp>
+              <a:noAutofit/>
+            </a:bodyPr>
+            <a:lstStyle/>
+            <a:p>
+              <a:pPr algn="ctr" rtl="0"/>
+              <a:endParaRPr lang="sv-SE"/>
+            </a:p>
+          </p:txBody>
+        </p:sp>
+      </p:grpSp>
+      <p:sp>
+        <p:nvSpPr>
+          <p:cNvPr id="7" name="Rubrik 6">
+            <a:extLst>
+              <a:ext uri="{FF2B5EF4-FFF2-40B4-BE49-F238E27FC236}">
+                <a16:creationId xmlns:a16="http://schemas.microsoft.com/office/drawing/2014/main" id="{E32413E6-8171-FEEB-EDA6-93332197E339}"/>
+              </a:ext>
+            </a:extLst>
+          </p:cNvPr>
+          <p:cNvSpPr>
+            <a:spLocks noGrp="1"/>
+          </p:cNvSpPr>
+          <p:nvPr>
+            <p:ph type="title"/>
+          </p:nvPr>
+        </p:nvSpPr>
+        <p:spPr>
+          <a:xfrm>
+            <a:off x="550862" y="549275"/>
+            <a:ext cx="11097551" cy="1332000"/>
+          </a:xfrm>
+        </p:spPr>
+        <p:txBody>
+          <a:bodyPr rtlCol="0">
+            <a:normAutofit/>
+          </a:bodyPr>
+          <a:lstStyle/>
+          <a:p>
+            <a:r>
+              <a:rPr lang="sv-SE" dirty="0"/>
+              <a:t>Schema – </a:t>
+            </a:r>
+            <a:r>
+              <a:rPr lang="sv-SE"/>
+              <a:t>databasens DNA</a:t>
+            </a:r>
+            <a:endParaRPr lang="sv-SE" dirty="0"/>
+          </a:p>
+        </p:txBody>
+      </p:sp>
+      <p:sp>
+        <p:nvSpPr>
+          <p:cNvPr id="10" name="Platshållare för innehåll 9">
+            <a:extLst>
+              <a:ext uri="{FF2B5EF4-FFF2-40B4-BE49-F238E27FC236}">
+                <a16:creationId xmlns:a16="http://schemas.microsoft.com/office/drawing/2014/main" id="{5751C993-5013-338C-4093-493011404C58}"/>
+              </a:ext>
+            </a:extLst>
+          </p:cNvPr>
+          <p:cNvSpPr>
+            <a:spLocks noGrp="1"/>
+          </p:cNvSpPr>
+          <p:nvPr>
+            <p:ph sz="half" idx="2"/>
+          </p:nvPr>
+        </p:nvSpPr>
+        <p:spPr>
+          <a:xfrm>
+            <a:off x="550863" y="2427370"/>
+            <a:ext cx="5429114" cy="3515555"/>
+          </a:xfrm>
+        </p:spPr>
+        <p:txBody>
+          <a:bodyPr rtlCol="0"/>
+          <a:lstStyle/>
+          <a:p>
+            <a:pPr marL="457200" lvl="1" indent="0" algn="l">
+              <a:buNone/>
+            </a:pPr>
+            <a:r>
+              <a:rPr lang="en-US" b="0" i="0" dirty="0" err="1">
+                <a:solidFill>
+                  <a:schemeClr val="tx1"/>
+                </a:solidFill>
+                <a:effectLst/>
+                <a:latin typeface="Söhne"/>
+              </a:rPr>
+              <a:t>Tabeller</a:t>
+            </a:r>
+            <a:br>
+              <a:rPr lang="en-US" dirty="0">
+                <a:solidFill>
+                  <a:schemeClr val="tx1"/>
+                </a:solidFill>
+                <a:latin typeface="Söhne"/>
+              </a:rPr>
+            </a:br>
+            <a:r>
+              <a:rPr lang="en-US" dirty="0" err="1">
+                <a:solidFill>
+                  <a:schemeClr val="tx1"/>
+                </a:solidFill>
+                <a:latin typeface="Söhne"/>
+              </a:rPr>
+              <a:t>Kolumner</a:t>
+            </a:r>
+            <a:br>
+              <a:rPr lang="en-US" dirty="0">
+                <a:solidFill>
+                  <a:schemeClr val="tx1"/>
+                </a:solidFill>
+                <a:latin typeface="Söhne"/>
+              </a:rPr>
+            </a:br>
+            <a:r>
+              <a:rPr lang="en-US" dirty="0" err="1">
+                <a:solidFill>
+                  <a:schemeClr val="tx1"/>
+                </a:solidFill>
+                <a:latin typeface="Söhne"/>
+              </a:rPr>
+              <a:t>Datatyper</a:t>
+            </a:r>
+            <a:br>
+              <a:rPr lang="en-US" dirty="0">
+                <a:solidFill>
+                  <a:schemeClr val="tx1"/>
+                </a:solidFill>
+                <a:latin typeface="Söhne"/>
+              </a:rPr>
+            </a:br>
+            <a:r>
+              <a:rPr lang="en-US" dirty="0" err="1">
+                <a:solidFill>
+                  <a:schemeClr val="tx1"/>
+                </a:solidFill>
+                <a:latin typeface="Söhne"/>
+              </a:rPr>
+              <a:t>Begränsningar</a:t>
+            </a:r>
+            <a:br>
+              <a:rPr lang="en-US" dirty="0">
+                <a:solidFill>
+                  <a:schemeClr val="tx1"/>
+                </a:solidFill>
+                <a:latin typeface="Söhne"/>
+              </a:rPr>
+            </a:br>
+            <a:r>
+              <a:rPr lang="en-US" dirty="0" err="1">
+                <a:solidFill>
+                  <a:schemeClr val="tx1"/>
+                </a:solidFill>
+                <a:latin typeface="Söhne"/>
+              </a:rPr>
+              <a:t>Relationer</a:t>
+            </a:r>
+            <a:endParaRPr lang="sv-SE" b="0" i="0" dirty="0">
+              <a:solidFill>
+                <a:schemeClr val="tx1"/>
+              </a:solidFill>
+              <a:effectLst/>
+              <a:latin typeface="Söhne"/>
+            </a:endParaRPr>
+          </a:p>
+        </p:txBody>
+      </p:sp>
+      <p:sp>
+        <p:nvSpPr>
+          <p:cNvPr id="6" name="Platshållare för bildnummer 5">
+            <a:extLst>
+              <a:ext uri="{FF2B5EF4-FFF2-40B4-BE49-F238E27FC236}">
+                <a16:creationId xmlns:a16="http://schemas.microsoft.com/office/drawing/2014/main" id="{01918FCE-DF5D-0FFF-6B63-6D5DF7EE3E55}"/>
+              </a:ext>
+            </a:extLst>
+          </p:cNvPr>
+          <p:cNvSpPr>
+            <a:spLocks noGrp="1"/>
+          </p:cNvSpPr>
+          <p:nvPr>
+            <p:ph type="sldNum" sz="quarter" idx="12"/>
+          </p:nvPr>
+        </p:nvSpPr>
+        <p:spPr>
+          <a:xfrm>
+            <a:off x="9948863" y="6507212"/>
+            <a:ext cx="1692274" cy="153888"/>
+          </a:xfrm>
+        </p:spPr>
+        <p:txBody>
+          <a:bodyPr rtlCol="0"/>
+          <a:lstStyle/>
+          <a:p>
+            <a:pPr rtl="0"/>
+            <a:fld id="{DBA1B0FB-D917-4C8C-928F-313BD683BF39}" type="slidenum">
+              <a:rPr lang="sv-SE" smtClean="0"/>
+              <a:pPr rtl="0"/>
+              <a:t>11</a:t>
+            </a:fld>
+            <a:endParaRPr lang="sv-SE"/>
+          </a:p>
+        </p:txBody>
+      </p:sp>
+      <p:sp>
+        <p:nvSpPr>
+          <p:cNvPr id="22" name="Frihandsfigur: Figur 21">
+            <a:extLst>
+              <a:ext uri="{FF2B5EF4-FFF2-40B4-BE49-F238E27FC236}">
+                <a16:creationId xmlns:a16="http://schemas.microsoft.com/office/drawing/2014/main" id="{AB84BC1C-931A-06F1-C6D6-CDCF6E8D0EAE}"/>
+              </a:ext>
+              <a:ext uri="{C183D7F6-B498-43B3-948B-1728B52AA6E4}">
+                <adec:decorative xmlns:adec="http://schemas.microsoft.com/office/drawing/2017/decorative" val="1"/>
+              </a:ext>
+            </a:extLst>
+          </p:cNvPr>
+          <p:cNvSpPr>
+            <a:spLocks noChangeAspect="1"/>
+          </p:cNvSpPr>
+          <p:nvPr/>
+        </p:nvSpPr>
+        <p:spPr>
+          <a:xfrm>
+            <a:off x="4295775" y="0"/>
+            <a:ext cx="360000" cy="274638"/>
+          </a:xfrm>
+          <a:custGeom>
+            <a:avLst/>
+            <a:gdLst>
+              <a:gd name="connsiteX0" fmla="*/ 30714 w 360000"/>
+              <a:gd name="connsiteY0" fmla="*/ 0 h 274638"/>
+              <a:gd name="connsiteX1" fmla="*/ 329286 w 360000"/>
+              <a:gd name="connsiteY1" fmla="*/ 0 h 274638"/>
+              <a:gd name="connsiteX2" fmla="*/ 345855 w 360000"/>
+              <a:gd name="connsiteY2" fmla="*/ 24574 h 274638"/>
+              <a:gd name="connsiteX3" fmla="*/ 360000 w 360000"/>
+              <a:gd name="connsiteY3" fmla="*/ 94638 h 274638"/>
+              <a:gd name="connsiteX4" fmla="*/ 180000 w 360000"/>
+              <a:gd name="connsiteY4" fmla="*/ 274638 h 274638"/>
+              <a:gd name="connsiteX5" fmla="*/ 0 w 360000"/>
+              <a:gd name="connsiteY5" fmla="*/ 94638 h 274638"/>
+              <a:gd name="connsiteX6" fmla="*/ 14145 w 360000"/>
+              <a:gd name="connsiteY6" fmla="*/ 24574 h 274638"/>
+            </a:gdLst>
+            <a:ahLst/>
+            <a:cxnLst>
+              <a:cxn ang="0">
+                <a:pos x="connsiteX0" y="connsiteY0"/>
+              </a:cxn>
+              <a:cxn ang="0">
+                <a:pos x="connsiteX1" y="connsiteY1"/>
+              </a:cxn>
+              <a:cxn ang="0">
+                <a:pos x="connsiteX2" y="connsiteY2"/>
+              </a:cxn>
+              <a:cxn ang="0">
+                <a:pos x="connsiteX3" y="connsiteY3"/>
+              </a:cxn>
+              <a:cxn ang="0">
+                <a:pos x="connsiteX4" y="connsiteY4"/>
+              </a:cxn>
+              <a:cxn ang="0">
+                <a:pos x="connsiteX5" y="connsiteY5"/>
+              </a:cxn>
+              <a:cxn ang="0">
+                <a:pos x="connsiteX6" y="connsiteY6"/>
+              </a:cxn>
+            </a:cxnLst>
+            <a:rect l="l" t="t" r="r" b="b"/>
+            <a:pathLst>
+              <a:path w="360000" h="274638">
+                <a:moveTo>
+                  <a:pt x="30714" y="0"/>
+                </a:moveTo>
+                <a:lnTo>
+                  <a:pt x="329286" y="0"/>
+                </a:lnTo>
+                <a:lnTo>
+                  <a:pt x="345855" y="24574"/>
+                </a:lnTo>
+                <a:cubicBezTo>
+                  <a:pt x="354963" y="46109"/>
+                  <a:pt x="360000" y="69785"/>
+                  <a:pt x="360000" y="94638"/>
+                </a:cubicBezTo>
+                <a:cubicBezTo>
+                  <a:pt x="360000" y="194049"/>
+                  <a:pt x="279411" y="274638"/>
+                  <a:pt x="180000" y="274638"/>
+                </a:cubicBezTo>
+                <a:cubicBezTo>
+                  <a:pt x="80589" y="274638"/>
+                  <a:pt x="0" y="194049"/>
+                  <a:pt x="0" y="94638"/>
+                </a:cubicBezTo>
+                <a:cubicBezTo>
+                  <a:pt x="0" y="69785"/>
+                  <a:pt x="5037" y="46109"/>
+                  <a:pt x="14145" y="24574"/>
+                </a:cubicBezTo>
+                <a:close/>
+              </a:path>
+            </a:pathLst>
+          </a:custGeom>
+          <a:gradFill flip="none" rotWithShape="1">
+            <a:gsLst>
+              <a:gs pos="100000">
+                <a:schemeClr val="bg2">
+                  <a:lumMod val="50000"/>
+                  <a:lumOff val="50000"/>
+                </a:schemeClr>
+              </a:gs>
+              <a:gs pos="60000">
+                <a:schemeClr val="bg2"/>
+              </a:gs>
+            </a:gsLst>
+            <a:path path="circle">
+              <a:fillToRect l="100000" b="100000"/>
+            </a:path>
+            <a:tileRect t="-100000" r="-100000"/>
+          </a:gradFill>
+          <a:ln>
+            <a:noFill/>
+          </a:ln>
+          <a:effectLst>
+            <a:innerShdw blurRad="127000" dist="63500" dir="2700000">
+              <a:schemeClr val="accent1">
+                <a:lumMod val="60000"/>
+                <a:lumOff val="40000"/>
+                <a:alpha val="20000"/>
+              </a:schemeClr>
+            </a:innerShdw>
+            <a:softEdge rad="0"/>
+          </a:effectLst>
+        </p:spPr>
+        <p:style>
+          <a:lnRef idx="2">
+            <a:schemeClr val="accent1">
+              <a:shade val="50000"/>
+            </a:schemeClr>
+          </a:lnRef>
+          <a:fillRef idx="1">
+            <a:schemeClr val="accent1"/>
+          </a:fillRef>
+          <a:effectRef idx="0">
+            <a:schemeClr val="accent1"/>
+          </a:effectRef>
+          <a:fontRef idx="minor">
+            <a:schemeClr val="lt1"/>
+          </a:fontRef>
+        </p:style>
+        <p:txBody>
+          <a:bodyPr rot="0" spcFirstLastPara="0" vertOverflow="overflow" horzOverflow="overflow" vert="horz" wrap="square" lIns="91440" tIns="45720" rIns="91440" bIns="45720" numCol="1" spcCol="0" rtlCol="0" fromWordArt="0" anchor="ctr" anchorCtr="0" forceAA="0" compatLnSpc="1">
+            <a:prstTxWarp prst="textNoShape">
+              <a:avLst/>
+            </a:prstTxWarp>
+            <a:noAutofit/>
+          </a:bodyPr>
+          <a:lstStyle/>
+          <a:p>
+            <a:pPr algn="ctr" rtl="0"/>
+            <a:endParaRPr lang="sv-SE"/>
+          </a:p>
+        </p:txBody>
+      </p:sp>
+    </p:spTree>
+    <p:extLst>
+      <p:ext uri="{BB962C8B-B14F-4D97-AF65-F5344CB8AC3E}">
+        <p14:creationId xmlns:p14="http://schemas.microsoft.com/office/powerpoint/2010/main" val="1801693616"/>
+      </p:ext>
+    </p:extLst>
+  </p:cSld>
+  <p:clrMapOvr>
+    <a:masterClrMapping/>
+  </p:clrMapOvr>
+</p:sld>
+</file>
+
+<file path=ppt/slides/slide12.xml><?xml version="1.0" encoding="utf-8"?>
 <p:sld xmlns:a="http://schemas.openxmlformats.org/drawingml/2006/main" xmlns:r="http://schemas.openxmlformats.org/officeDocument/2006/relationships" xmlns:p="http://schemas.openxmlformats.org/presentationml/2006/main">
   <p:cSld>
     <p:spTree>
@@ -15486,7 +16345,7 @@
             <a:fld id="{DBA1B0FB-D917-4C8C-928F-313BD683BF39}" type="slidenum">
               <a:rPr lang="sv-SE" smtClean="0"/>
               <a:pPr rtl="0"/>
-              <a:t>11</a:t>
+              <a:t>12</a:t>
             </a:fld>
             <a:endParaRPr lang="sv-SE"/>
           </a:p>
@@ -15505,7 +16364,7 @@
 </p:sld>
 </file>
 
-<file path=ppt/slides/slide12.xml><?xml version="1.0" encoding="utf-8"?>
+<file path=ppt/slides/slide13.xml><?xml version="1.0" encoding="utf-8"?>
 <p:sld xmlns:a="http://schemas.openxmlformats.org/drawingml/2006/main" xmlns:r="http://schemas.openxmlformats.org/officeDocument/2006/relationships" xmlns:p="http://schemas.openxmlformats.org/presentationml/2006/main">
   <p:cSld>
     <p:spTree>
@@ -15691,7 +16550,7 @@
             <a:pPr rtl="0"/>
             <a:fld id="{DBA1B0FB-D917-4C8C-928F-313BD683BF39}" type="slidenum">
               <a:rPr lang="sv-SE" smtClean="0"/>
-              <a:t>12</a:t>
+              <a:t>13</a:t>
             </a:fld>
             <a:endParaRPr lang="sv-SE"/>
           </a:p>
@@ -15710,7 +16569,7 @@
 </p:sld>
 </file>
 
-<file path=ppt/slides/slide13.xml><?xml version="1.0" encoding="utf-8"?>
+<file path=ppt/slides/slide14.xml><?xml version="1.0" encoding="utf-8"?>
 <p:sld xmlns:a="http://schemas.openxmlformats.org/drawingml/2006/main" xmlns:r="http://schemas.openxmlformats.org/officeDocument/2006/relationships" xmlns:p="http://schemas.openxmlformats.org/presentationml/2006/main">
   <p:cSld>
     <p:spTree>
@@ -17315,7 +18174,7 @@
 </p:sld>
 </file>
 
-<file path=ppt/slides/slide14.xml><?xml version="1.0" encoding="utf-8"?>
+<file path=ppt/slides/slide15.xml><?xml version="1.0" encoding="utf-8"?>
 <p:sld xmlns:a="http://schemas.openxmlformats.org/drawingml/2006/main" xmlns:r="http://schemas.openxmlformats.org/officeDocument/2006/relationships" xmlns:p="http://schemas.openxmlformats.org/presentationml/2006/main">
   <p:cSld>
     <p:spTree>
@@ -17725,7 +18584,7 @@
             <a:fld id="{DBA1B0FB-D917-4C8C-928F-313BD683BF39}" type="slidenum">
               <a:rPr lang="sv-SE" smtClean="0"/>
               <a:pPr rtl="0"/>
-              <a:t>14</a:t>
+              <a:t>15</a:t>
             </a:fld>
             <a:endParaRPr lang="sv-SE"/>
           </a:p>
@@ -17934,7 +18793,7 @@
 </p:sld>
 </file>
 
-<file path=ppt/slides/slide15.xml><?xml version="1.0" encoding="utf-8"?>
+<file path=ppt/slides/slide16.xml><?xml version="1.0" encoding="utf-8"?>
 <p:sld xmlns:a="http://schemas.openxmlformats.org/drawingml/2006/main" xmlns:r="http://schemas.openxmlformats.org/officeDocument/2006/relationships" xmlns:p="http://schemas.openxmlformats.org/presentationml/2006/main">
   <p:cSld>
     <p:spTree>
@@ -18344,7 +19203,7 @@
             <a:fld id="{DBA1B0FB-D917-4C8C-928F-313BD683BF39}" type="slidenum">
               <a:rPr lang="sv-SE" smtClean="0"/>
               <a:pPr rtl="0"/>
-              <a:t>15</a:t>
+              <a:t>16</a:t>
             </a:fld>
             <a:endParaRPr lang="sv-SE"/>
           </a:p>
@@ -18552,7 +19411,7 @@
 </p:sld>
 </file>
 
-<file path=ppt/slides/slide16.xml><?xml version="1.0" encoding="utf-8"?>
+<file path=ppt/slides/slide17.xml><?xml version="1.0" encoding="utf-8"?>
 <p:sld xmlns:a="http://schemas.openxmlformats.org/drawingml/2006/main" xmlns:r="http://schemas.openxmlformats.org/officeDocument/2006/relationships" xmlns:p="http://schemas.openxmlformats.org/presentationml/2006/main">
   <p:cSld>
     <p:spTree>
@@ -19344,7 +20203,7 @@
             <a:fld id="{DBA1B0FB-D917-4C8C-928F-313BD683BF39}" type="slidenum">
               <a:rPr lang="sv-SE" smtClean="0"/>
               <a:pPr rtl="0"/>
-              <a:t>16</a:t>
+              <a:t>17</a:t>
             </a:fld>
             <a:endParaRPr lang="sv-SE"/>
           </a:p>
@@ -23560,6 +24419,34 @@
 </file>
 
 <file path=customXml/item1.xml><?xml version="1.0" encoding="utf-8"?>
+<?mso-contentType ?>
+<FormTemplates xmlns="http://schemas.microsoft.com/sharepoint/v3/contenttype/forms">
+  <Display>DocumentLibraryForm</Display>
+  <Edit>DocumentLibraryForm</Edit>
+  <New>DocumentLibraryForm</New>
+</FormTemplates>
+</file>
+
+<file path=customXml/item2.xml><?xml version="1.0" encoding="utf-8"?>
+<p:properties xmlns:p="http://schemas.microsoft.com/office/2006/metadata/properties" xmlns:xsi="http://www.w3.org/2001/XMLSchema-instance" xmlns:pc="http://schemas.microsoft.com/office/infopath/2007/PartnerControls">
+  <documentManagement>
+    <_ip_UnifiedCompliancePolicyUIAction xmlns="http://schemas.microsoft.com/sharepoint/v3" xsi:nil="true"/>
+    <Image xmlns="71af3243-3dd4-4a8d-8c0d-dd76da1f02a5">
+      <Url xsi:nil="true"/>
+      <Description xsi:nil="true"/>
+    </Image>
+    <Status xmlns="71af3243-3dd4-4a8d-8c0d-dd76da1f02a5">Not started</Status>
+    <_ip_UnifiedCompliancePolicyProperties xmlns="http://schemas.microsoft.com/sharepoint/v3" xsi:nil="true"/>
+    <lcf76f155ced4ddcb4097134ff3c332f xmlns="71af3243-3dd4-4a8d-8c0d-dd76da1f02a5">
+      <Terms xmlns="http://schemas.microsoft.com/office/infopath/2007/PartnerControls"/>
+    </lcf76f155ced4ddcb4097134ff3c332f>
+    <TaxCatchAll xmlns="230e9df3-be65-4c73-a93b-d1236ebd677e"/>
+    <MediaServiceKeyPoints xmlns="71af3243-3dd4-4a8d-8c0d-dd76da1f02a5" xsi:nil="true"/>
+  </documentManagement>
+</p:properties>
+</file>
+
+<file path=customXml/item3.xml><?xml version="1.0" encoding="utf-8"?>
 <ct:contentTypeSchema xmlns:ct="http://schemas.microsoft.com/office/2006/metadata/contentType" xmlns:ma="http://schemas.microsoft.com/office/2006/metadata/properties/metaAttributes" ct:_="" ma:_="" ma:contentTypeName="Document" ma:contentTypeID="0x01010079F111ED35F8CC479449609E8A0923A6" ma:contentTypeVersion="18" ma:contentTypeDescription="Create a new document." ma:contentTypeScope="" ma:versionID="22a266b9fa9a230c5a512669d8b298c3">
   <xsd:schema xmlns:xsd="http://www.w3.org/2001/XMLSchema" xmlns:xs="http://www.w3.org/2001/XMLSchema" xmlns:p="http://schemas.microsoft.com/office/2006/metadata/properties" xmlns:ns1="http://schemas.microsoft.com/sharepoint/v3" xmlns:ns2="71af3243-3dd4-4a8d-8c0d-dd76da1f02a5" xmlns:ns3="16c05727-aa75-4e4a-9b5f-8a80a1165891" xmlns:ns4="230e9df3-be65-4c73-a93b-d1236ebd677e" targetNamespace="http://schemas.microsoft.com/office/2006/metadata/properties" ma:root="true" ma:fieldsID="eddc33fff6b14141ee5c74a0d29ea6a1" ns1:_="" ns2:_="" ns3:_="" ns4:_="">
     <xsd:import namespace="http://schemas.microsoft.com/sharepoint/v3"/>
@@ -23835,35 +24722,27 @@
 </ct:contentTypeSchema>
 </file>
 
-<file path=customXml/item2.xml><?xml version="1.0" encoding="utf-8"?>
-<p:properties xmlns:p="http://schemas.microsoft.com/office/2006/metadata/properties" xmlns:xsi="http://www.w3.org/2001/XMLSchema-instance" xmlns:pc="http://schemas.microsoft.com/office/infopath/2007/PartnerControls">
-  <documentManagement>
-    <_ip_UnifiedCompliancePolicyUIAction xmlns="http://schemas.microsoft.com/sharepoint/v3" xsi:nil="true"/>
-    <Image xmlns="71af3243-3dd4-4a8d-8c0d-dd76da1f02a5">
-      <Url xsi:nil="true"/>
-      <Description xsi:nil="true"/>
-    </Image>
-    <Status xmlns="71af3243-3dd4-4a8d-8c0d-dd76da1f02a5">Not started</Status>
-    <_ip_UnifiedCompliancePolicyProperties xmlns="http://schemas.microsoft.com/sharepoint/v3" xsi:nil="true"/>
-    <lcf76f155ced4ddcb4097134ff3c332f xmlns="71af3243-3dd4-4a8d-8c0d-dd76da1f02a5">
-      <Terms xmlns="http://schemas.microsoft.com/office/infopath/2007/PartnerControls"/>
-    </lcf76f155ced4ddcb4097134ff3c332f>
-    <TaxCatchAll xmlns="230e9df3-be65-4c73-a93b-d1236ebd677e"/>
-    <MediaServiceKeyPoints xmlns="71af3243-3dd4-4a8d-8c0d-dd76da1f02a5" xsi:nil="true"/>
-  </documentManagement>
-</p:properties>
+<file path=customXml/itemProps1.xml><?xml version="1.0" encoding="utf-8"?>
+<ds:datastoreItem xmlns:ds="http://schemas.openxmlformats.org/officeDocument/2006/customXml" ds:itemID="{904751AB-E840-446F-8D49-E697067EC887}">
+  <ds:schemaRefs>
+    <ds:schemaRef ds:uri="http://schemas.microsoft.com/sharepoint/v3/contenttype/forms"/>
+  </ds:schemaRefs>
+</ds:datastoreItem>
 </file>
 
-<file path=customXml/item3.xml><?xml version="1.0" encoding="utf-8"?>
-<?mso-contentType ?>
-<FormTemplates xmlns="http://schemas.microsoft.com/sharepoint/v3/contenttype/forms">
-  <Display>DocumentLibraryForm</Display>
-  <Edit>DocumentLibraryForm</Edit>
-  <New>DocumentLibraryForm</New>
-</FormTemplates>
+<file path=customXml/itemProps2.xml><?xml version="1.0" encoding="utf-8"?>
+<ds:datastoreItem xmlns:ds="http://schemas.openxmlformats.org/officeDocument/2006/customXml" ds:itemID="{50811A92-D464-4AC4-A396-BA73B10CEEAC}">
+  <ds:schemaRefs>
+    <ds:schemaRef ds:uri="http://schemas.microsoft.com/office/2006/metadata/properties"/>
+    <ds:schemaRef ds:uri="http://schemas.microsoft.com/office/infopath/2007/PartnerControls"/>
+    <ds:schemaRef ds:uri="http://schemas.microsoft.com/sharepoint/v3"/>
+    <ds:schemaRef ds:uri="71af3243-3dd4-4a8d-8c0d-dd76da1f02a5"/>
+    <ds:schemaRef ds:uri="230e9df3-be65-4c73-a93b-d1236ebd677e"/>
+  </ds:schemaRefs>
+</ds:datastoreItem>
 </file>
 
-<file path=customXml/itemProps1.xml><?xml version="1.0" encoding="utf-8"?>
+<file path=customXml/itemProps3.xml><?xml version="1.0" encoding="utf-8"?>
 <ds:datastoreItem xmlns:ds="http://schemas.openxmlformats.org/officeDocument/2006/customXml" ds:itemID="{DE4876F9-7AE1-498D-B8FE-1E3AD703D2AF}">
   <ds:schemaRefs>
     <ds:schemaRef ds:uri="http://schemas.microsoft.com/office/2006/metadata/contentType"/>
@@ -23884,26 +24763,6 @@
 </ds:datastoreItem>
 </file>
 
-<file path=customXml/itemProps2.xml><?xml version="1.0" encoding="utf-8"?>
-<ds:datastoreItem xmlns:ds="http://schemas.openxmlformats.org/officeDocument/2006/customXml" ds:itemID="{50811A92-D464-4AC4-A396-BA73B10CEEAC}">
-  <ds:schemaRefs>
-    <ds:schemaRef ds:uri="http://schemas.microsoft.com/office/2006/metadata/properties"/>
-    <ds:schemaRef ds:uri="http://schemas.microsoft.com/office/infopath/2007/PartnerControls"/>
-    <ds:schemaRef ds:uri="http://schemas.microsoft.com/sharepoint/v3"/>
-    <ds:schemaRef ds:uri="71af3243-3dd4-4a8d-8c0d-dd76da1f02a5"/>
-    <ds:schemaRef ds:uri="230e9df3-be65-4c73-a93b-d1236ebd677e"/>
-  </ds:schemaRefs>
-</ds:datastoreItem>
-</file>
-
-<file path=customXml/itemProps3.xml><?xml version="1.0" encoding="utf-8"?>
-<ds:datastoreItem xmlns:ds="http://schemas.openxmlformats.org/officeDocument/2006/customXml" ds:itemID="{904751AB-E840-446F-8D49-E697067EC887}">
-  <ds:schemaRefs>
-    <ds:schemaRef ds:uri="http://schemas.microsoft.com/sharepoint/v3/contenttype/forms"/>
-  </ds:schemaRefs>
-</ds:datastoreItem>
-</file>
-
 <file path=docMetadata/LabelInfo.xml><?xml version="1.0" encoding="utf-8"?>
 <clbl:labelList xmlns:clbl="http://schemas.microsoft.com/office/2020/mipLabelMetadata">
   <clbl:label id="{f42aa342-8706-4288-bd11-ebb85995028c}" enabled="1" method="Standard" siteId="{72f988bf-86f1-41af-91ab-2d7cd011db47}" contentBits="0" removed="0"/>
